--- a/Day 6.pptx
+++ b/Day 6.pptx
@@ -16,6 +16,9 @@
     <p:sldId id="264" r:id="rId10"/>
     <p:sldId id="265" r:id="rId11"/>
     <p:sldId id="267" r:id="rId12"/>
+    <p:sldId id="268" r:id="rId13"/>
+    <p:sldId id="269" r:id="rId14"/>
+    <p:sldId id="270" r:id="rId15"/>
   </p:sldIdLst>
   <p:sldSz cx="12192000" cy="6858000"/>
   <p:notesSz cx="6858000" cy="9144000"/>
@@ -114,6 +117,11 @@
       </a:defRPr>
     </a:lvl9pPr>
   </p:defaultTextStyle>
+  <p:extLst>
+    <p:ext uri="{EFAFB233-063F-42B5-8137-9DF3F51BA10A}">
+      <p15:sldGuideLst xmlns:p15="http://schemas.microsoft.com/office/powerpoint/2012/main"/>
+    </p:ext>
+  </p:extLst>
 </p:presentation>
 </file>
 
@@ -264,7 +272,7 @@
           <a:p>
             <a:fld id="{49435E6D-E9A9-49C9-81B3-BD3BF8AF476E}" type="datetimeFigureOut">
               <a:rPr lang="en-US" smtClean="0"/>
-              <a:t>9/30/2025</a:t>
+              <a:t>10/3/2025</a:t>
             </a:fld>
             <a:endParaRPr lang="en-US"/>
           </a:p>
@@ -462,7 +470,7 @@
           <a:p>
             <a:fld id="{49435E6D-E9A9-49C9-81B3-BD3BF8AF476E}" type="datetimeFigureOut">
               <a:rPr lang="en-US" smtClean="0"/>
-              <a:t>9/30/2025</a:t>
+              <a:t>10/3/2025</a:t>
             </a:fld>
             <a:endParaRPr lang="en-US"/>
           </a:p>
@@ -670,7 +678,7 @@
           <a:p>
             <a:fld id="{49435E6D-E9A9-49C9-81B3-BD3BF8AF476E}" type="datetimeFigureOut">
               <a:rPr lang="en-US" smtClean="0"/>
-              <a:t>9/30/2025</a:t>
+              <a:t>10/3/2025</a:t>
             </a:fld>
             <a:endParaRPr lang="en-US"/>
           </a:p>
@@ -868,7 +876,7 @@
           <a:p>
             <a:fld id="{49435E6D-E9A9-49C9-81B3-BD3BF8AF476E}" type="datetimeFigureOut">
               <a:rPr lang="en-US" smtClean="0"/>
-              <a:t>9/30/2025</a:t>
+              <a:t>10/3/2025</a:t>
             </a:fld>
             <a:endParaRPr lang="en-US"/>
           </a:p>
@@ -1143,7 +1151,7 @@
           <a:p>
             <a:fld id="{49435E6D-E9A9-49C9-81B3-BD3BF8AF476E}" type="datetimeFigureOut">
               <a:rPr lang="en-US" smtClean="0"/>
-              <a:t>9/30/2025</a:t>
+              <a:t>10/3/2025</a:t>
             </a:fld>
             <a:endParaRPr lang="en-US"/>
           </a:p>
@@ -1408,7 +1416,7 @@
           <a:p>
             <a:fld id="{49435E6D-E9A9-49C9-81B3-BD3BF8AF476E}" type="datetimeFigureOut">
               <a:rPr lang="en-US" smtClean="0"/>
-              <a:t>9/30/2025</a:t>
+              <a:t>10/3/2025</a:t>
             </a:fld>
             <a:endParaRPr lang="en-US"/>
           </a:p>
@@ -1820,7 +1828,7 @@
           <a:p>
             <a:fld id="{49435E6D-E9A9-49C9-81B3-BD3BF8AF476E}" type="datetimeFigureOut">
               <a:rPr lang="en-US" smtClean="0"/>
-              <a:t>9/30/2025</a:t>
+              <a:t>10/3/2025</a:t>
             </a:fld>
             <a:endParaRPr lang="en-US"/>
           </a:p>
@@ -1961,7 +1969,7 @@
           <a:p>
             <a:fld id="{49435E6D-E9A9-49C9-81B3-BD3BF8AF476E}" type="datetimeFigureOut">
               <a:rPr lang="en-US" smtClean="0"/>
-              <a:t>9/30/2025</a:t>
+              <a:t>10/3/2025</a:t>
             </a:fld>
             <a:endParaRPr lang="en-US"/>
           </a:p>
@@ -2074,7 +2082,7 @@
           <a:p>
             <a:fld id="{49435E6D-E9A9-49C9-81B3-BD3BF8AF476E}" type="datetimeFigureOut">
               <a:rPr lang="en-US" smtClean="0"/>
-              <a:t>9/30/2025</a:t>
+              <a:t>10/3/2025</a:t>
             </a:fld>
             <a:endParaRPr lang="en-US"/>
           </a:p>
@@ -2385,7 +2393,7 @@
           <a:p>
             <a:fld id="{49435E6D-E9A9-49C9-81B3-BD3BF8AF476E}" type="datetimeFigureOut">
               <a:rPr lang="en-US" smtClean="0"/>
-              <a:t>9/30/2025</a:t>
+              <a:t>10/3/2025</a:t>
             </a:fld>
             <a:endParaRPr lang="en-US"/>
           </a:p>
@@ -2673,7 +2681,7 @@
           <a:p>
             <a:fld id="{49435E6D-E9A9-49C9-81B3-BD3BF8AF476E}" type="datetimeFigureOut">
               <a:rPr lang="en-US" smtClean="0"/>
-              <a:t>9/30/2025</a:t>
+              <a:t>10/3/2025</a:t>
             </a:fld>
             <a:endParaRPr lang="en-US"/>
           </a:p>
@@ -2914,7 +2922,7 @@
           <a:p>
             <a:fld id="{49435E6D-E9A9-49C9-81B3-BD3BF8AF476E}" type="datetimeFigureOut">
               <a:rPr lang="en-US" smtClean="0"/>
-              <a:t>9/30/2025</a:t>
+              <a:t>10/3/2025</a:t>
             </a:fld>
             <a:endParaRPr lang="en-US"/>
           </a:p>
@@ -3425,6 +3433,12 @@
               <a:rPr lang="en-IN" sz="3600" dirty="0"/>
               <a:t>Cross Join</a:t>
             </a:r>
+          </a:p>
+          <a:p>
+            <a:r>
+              <a:rPr lang="en-IN" sz="3600" dirty="0"/>
+              <a:t>Union-Union All</a:t>
+            </a:r>
             <a:endParaRPr lang="en-US" sz="3600" dirty="0"/>
           </a:p>
         </p:txBody>
@@ -3830,6 +3844,712 @@
     <p:extLst>
       <p:ext uri="{BB962C8B-B14F-4D97-AF65-F5344CB8AC3E}">
         <p14:creationId xmlns:p14="http://schemas.microsoft.com/office/powerpoint/2010/main" val="1572775474"/>
+      </p:ext>
+    </p:extLst>
+  </p:cSld>
+  <p:clrMapOvr>
+    <a:masterClrMapping/>
+  </p:clrMapOvr>
+</p:sld>
+</file>
+
+<file path=ppt/slides/slide12.xml><?xml version="1.0" encoding="utf-8"?>
+<p:sld xmlns:a="http://schemas.openxmlformats.org/drawingml/2006/main" xmlns:r="http://schemas.openxmlformats.org/officeDocument/2006/relationships" xmlns:p="http://schemas.openxmlformats.org/presentationml/2006/main">
+  <p:cSld>
+    <p:spTree>
+      <p:nvGrpSpPr>
+        <p:cNvPr id="1" name=""/>
+        <p:cNvGrpSpPr/>
+        <p:nvPr/>
+      </p:nvGrpSpPr>
+      <p:grpSpPr>
+        <a:xfrm>
+          <a:off x="0" y="0"/>
+          <a:ext cx="0" cy="0"/>
+          <a:chOff x="0" y="0"/>
+          <a:chExt cx="0" cy="0"/>
+        </a:xfrm>
+      </p:grpSpPr>
+      <p:sp>
+        <p:nvSpPr>
+          <p:cNvPr id="2" name="Title 1">
+            <a:extLst>
+              <a:ext uri="{FF2B5EF4-FFF2-40B4-BE49-F238E27FC236}">
+                <a16:creationId xmlns:a16="http://schemas.microsoft.com/office/drawing/2014/main" id="{A1B80C3D-C503-0124-2BA3-C0F85833CE41}"/>
+              </a:ext>
+            </a:extLst>
+          </p:cNvPr>
+          <p:cNvSpPr>
+            <a:spLocks noGrp="1"/>
+          </p:cNvSpPr>
+          <p:nvPr>
+            <p:ph type="title"/>
+          </p:nvPr>
+        </p:nvSpPr>
+        <p:spPr>
+          <a:xfrm>
+            <a:off x="838200" y="18255"/>
+            <a:ext cx="10515600" cy="1325563"/>
+          </a:xfrm>
+        </p:spPr>
+        <p:txBody>
+          <a:bodyPr/>
+          <a:lstStyle/>
+          <a:p>
+            <a:r>
+              <a:rPr lang="en-IN" dirty="0"/>
+              <a:t>Union –Union All</a:t>
+            </a:r>
+            <a:endParaRPr lang="en-US" dirty="0"/>
+          </a:p>
+        </p:txBody>
+      </p:sp>
+      <p:sp>
+        <p:nvSpPr>
+          <p:cNvPr id="3" name="Content Placeholder 2">
+            <a:extLst>
+              <a:ext uri="{FF2B5EF4-FFF2-40B4-BE49-F238E27FC236}">
+                <a16:creationId xmlns:a16="http://schemas.microsoft.com/office/drawing/2014/main" id="{B0DAD41A-0BB3-76BD-DE87-8F23BF60191C}"/>
+              </a:ext>
+            </a:extLst>
+          </p:cNvPr>
+          <p:cNvSpPr>
+            <a:spLocks noGrp="1"/>
+          </p:cNvSpPr>
+          <p:nvPr>
+            <p:ph idx="1"/>
+          </p:nvPr>
+        </p:nvSpPr>
+        <p:spPr>
+          <a:xfrm>
+            <a:off x="601894" y="1982913"/>
+            <a:ext cx="10515600" cy="5026257"/>
+          </a:xfrm>
+        </p:spPr>
+        <p:txBody>
+          <a:bodyPr>
+            <a:normAutofit fontScale="85000" lnSpcReduction="20000"/>
+          </a:bodyPr>
+          <a:lstStyle/>
+          <a:p>
+            <a:r>
+              <a:rPr lang="en-US" dirty="0"/>
+              <a:t>To combine the result sets of two </a:t>
+            </a:r>
+            <a:r>
+              <a:rPr lang="en-US" dirty="0">
+                <a:hlinkClick r:id="rId2"/>
+              </a:rPr>
+              <a:t>SELECT</a:t>
+            </a:r>
+            <a:r>
+              <a:rPr lang="en-US" dirty="0"/>
+              <a:t> statements into a single result set.</a:t>
+            </a:r>
+          </a:p>
+          <a:p>
+            <a:endParaRPr lang="en-US" dirty="0"/>
+          </a:p>
+          <a:p>
+            <a:pPr>
+              <a:lnSpc>
+                <a:spcPct val="110000"/>
+              </a:lnSpc>
+            </a:pPr>
+            <a:r>
+              <a:rPr lang="en-US" b="1" dirty="0"/>
+              <a:t>Same number of columns</a:t>
+            </a:r>
+            <a:r>
+              <a:rPr lang="en-US" dirty="0"/>
+              <a:t>: The SELECT statements must have the same number of columns.</a:t>
+            </a:r>
+          </a:p>
+          <a:p>
+            <a:pPr>
+              <a:lnSpc>
+                <a:spcPct val="110000"/>
+              </a:lnSpc>
+            </a:pPr>
+            <a:r>
+              <a:rPr lang="en-US" b="1" dirty="0"/>
+              <a:t>Compatible data types:</a:t>
+            </a:r>
+            <a:r>
+              <a:rPr lang="en-US" dirty="0"/>
+              <a:t> The corresponding columns in each SELECT statement must have compatible data types.</a:t>
+            </a:r>
+          </a:p>
+          <a:p>
+            <a:pPr>
+              <a:lnSpc>
+                <a:spcPct val="110000"/>
+              </a:lnSpc>
+            </a:pPr>
+            <a:r>
+              <a:rPr lang="en-US" b="1" dirty="0"/>
+              <a:t>Column names</a:t>
+            </a:r>
+            <a:r>
+              <a:rPr lang="en-US" dirty="0"/>
+              <a:t>: The column names of the second query will determine the column names of the final result set.</a:t>
+            </a:r>
+          </a:p>
+          <a:p>
+            <a:pPr>
+              <a:lnSpc>
+                <a:spcPct val="110000"/>
+              </a:lnSpc>
+            </a:pPr>
+            <a:r>
+              <a:rPr lang="en-US" b="1" dirty="0"/>
+              <a:t>Execution order</a:t>
+            </a:r>
+            <a:r>
+              <a:rPr lang="en-US" dirty="0"/>
+              <a:t>: The UNION operator executes the SELECT statements independently and combine the result sets.</a:t>
+            </a:r>
+          </a:p>
+          <a:p>
+            <a:pPr>
+              <a:lnSpc>
+                <a:spcPct val="110000"/>
+              </a:lnSpc>
+            </a:pPr>
+            <a:r>
+              <a:rPr lang="en-US" b="1" dirty="0"/>
+              <a:t>Sorting result set</a:t>
+            </a:r>
+            <a:r>
+              <a:rPr lang="en-US" dirty="0"/>
+              <a:t>: Use the </a:t>
+            </a:r>
+            <a:r>
+              <a:rPr lang="en-US" dirty="0">
+                <a:hlinkClick r:id="rId3"/>
+              </a:rPr>
+              <a:t>ORDER BY</a:t>
+            </a:r>
+            <a:r>
+              <a:rPr lang="en-US" dirty="0"/>
+              <a:t> clause in the second query to sort the rows in the final result set.</a:t>
+            </a:r>
+          </a:p>
+          <a:p>
+            <a:endParaRPr lang="en-US" dirty="0"/>
+          </a:p>
+        </p:txBody>
+      </p:sp>
+      <p:pic>
+        <p:nvPicPr>
+          <p:cNvPr id="3074" name="Picture 2" descr="SQL UNION ALL">
+            <a:extLst>
+              <a:ext uri="{FF2B5EF4-FFF2-40B4-BE49-F238E27FC236}">
+                <a16:creationId xmlns:a16="http://schemas.microsoft.com/office/drawing/2014/main" id="{BB12D98E-A8D9-2DFA-521B-8B2E5E0D2E73}"/>
+              </a:ext>
+            </a:extLst>
+          </p:cNvPr>
+          <p:cNvPicPr>
+            <a:picLocks noChangeAspect="1" noChangeArrowheads="1"/>
+          </p:cNvPicPr>
+          <p:nvPr/>
+        </p:nvPicPr>
+        <p:blipFill>
+          <a:blip r:embed="rId4">
+            <a:extLst>
+              <a:ext uri="{28A0092B-C50C-407E-A947-70E740481C1C}">
+                <a14:useLocalDpi xmlns:a14="http://schemas.microsoft.com/office/drawing/2010/main" val="0"/>
+              </a:ext>
+            </a:extLst>
+          </a:blip>
+          <a:srcRect/>
+          <a:stretch>
+            <a:fillRect/>
+          </a:stretch>
+        </p:blipFill>
+        <p:spPr bwMode="auto">
+          <a:xfrm>
+            <a:off x="5238750" y="92136"/>
+            <a:ext cx="6953250" cy="1743075"/>
+          </a:xfrm>
+          <a:prstGeom prst="rect">
+            <a:avLst/>
+          </a:prstGeom>
+          <a:noFill/>
+          <a:extLst>
+            <a:ext uri="{909E8E84-426E-40DD-AFC4-6F175D3DCCD1}">
+              <a14:hiddenFill xmlns:a14="http://schemas.microsoft.com/office/drawing/2010/main">
+                <a:solidFill>
+                  <a:srgbClr val="FFFFFF"/>
+                </a:solidFill>
+              </a14:hiddenFill>
+            </a:ext>
+          </a:extLst>
+        </p:spPr>
+      </p:pic>
+    </p:spTree>
+    <p:extLst>
+      <p:ext uri="{BB962C8B-B14F-4D97-AF65-F5344CB8AC3E}">
+        <p14:creationId xmlns:p14="http://schemas.microsoft.com/office/powerpoint/2010/main" val="1022728714"/>
+      </p:ext>
+    </p:extLst>
+  </p:cSld>
+  <p:clrMapOvr>
+    <a:masterClrMapping/>
+  </p:clrMapOvr>
+</p:sld>
+</file>
+
+<file path=ppt/slides/slide13.xml><?xml version="1.0" encoding="utf-8"?>
+<p:sld xmlns:a="http://schemas.openxmlformats.org/drawingml/2006/main" xmlns:r="http://schemas.openxmlformats.org/officeDocument/2006/relationships" xmlns:p="http://schemas.openxmlformats.org/presentationml/2006/main">
+  <p:cSld>
+    <p:spTree>
+      <p:nvGrpSpPr>
+        <p:cNvPr id="1" name=""/>
+        <p:cNvGrpSpPr/>
+        <p:nvPr/>
+      </p:nvGrpSpPr>
+      <p:grpSpPr>
+        <a:xfrm>
+          <a:off x="0" y="0"/>
+          <a:ext cx="0" cy="0"/>
+          <a:chOff x="0" y="0"/>
+          <a:chExt cx="0" cy="0"/>
+        </a:xfrm>
+      </p:grpSpPr>
+      <p:sp>
+        <p:nvSpPr>
+          <p:cNvPr id="2" name="Title 1">
+            <a:extLst>
+              <a:ext uri="{FF2B5EF4-FFF2-40B4-BE49-F238E27FC236}">
+                <a16:creationId xmlns:a16="http://schemas.microsoft.com/office/drawing/2014/main" id="{6C0CDD5D-0DC8-5166-0D6A-D28196E51DC4}"/>
+              </a:ext>
+            </a:extLst>
+          </p:cNvPr>
+          <p:cNvSpPr>
+            <a:spLocks noGrp="1"/>
+          </p:cNvSpPr>
+          <p:nvPr>
+            <p:ph type="title"/>
+          </p:nvPr>
+        </p:nvSpPr>
+        <p:spPr/>
+        <p:txBody>
+          <a:bodyPr/>
+          <a:lstStyle/>
+          <a:p>
+            <a:r>
+              <a:rPr lang="en-US" dirty="0"/>
+              <a:t>SQL INTERSECT operator</a:t>
+            </a:r>
+            <a:br>
+              <a:rPr lang="en-US" dirty="0"/>
+            </a:br>
+            <a:endParaRPr lang="en-US" dirty="0"/>
+          </a:p>
+        </p:txBody>
+      </p:sp>
+      <p:sp>
+        <p:nvSpPr>
+          <p:cNvPr id="3" name="Content Placeholder 2">
+            <a:extLst>
+              <a:ext uri="{FF2B5EF4-FFF2-40B4-BE49-F238E27FC236}">
+                <a16:creationId xmlns:a16="http://schemas.microsoft.com/office/drawing/2014/main" id="{C21CBA0C-B425-8B90-9795-D778634EE6C8}"/>
+              </a:ext>
+            </a:extLst>
+          </p:cNvPr>
+          <p:cNvSpPr>
+            <a:spLocks noGrp="1"/>
+          </p:cNvSpPr>
+          <p:nvPr>
+            <p:ph idx="1"/>
+          </p:nvPr>
+        </p:nvSpPr>
+        <p:spPr>
+          <a:xfrm>
+            <a:off x="838200" y="1356189"/>
+            <a:ext cx="10515600" cy="4820774"/>
+          </a:xfrm>
+        </p:spPr>
+        <p:txBody>
+          <a:bodyPr>
+            <a:normAutofit fontScale="92500" lnSpcReduction="10000"/>
+          </a:bodyPr>
+          <a:lstStyle/>
+          <a:p>
+            <a:r>
+              <a:rPr lang="en-IN" dirty="0"/>
+              <a:t> To </a:t>
+            </a:r>
+            <a:r>
+              <a:rPr lang="en-US" dirty="0"/>
+              <a:t>finds the common rows of the result sets of two </a:t>
+            </a:r>
+            <a:r>
+              <a:rPr lang="en-US" dirty="0">
+                <a:hlinkClick r:id="rId2"/>
+              </a:rPr>
+              <a:t>SELECT</a:t>
+            </a:r>
+            <a:r>
+              <a:rPr lang="en-US" dirty="0"/>
+              <a:t> statements.</a:t>
+            </a:r>
+          </a:p>
+          <a:p>
+            <a:endParaRPr lang="en-US" dirty="0"/>
+          </a:p>
+          <a:p>
+            <a:r>
+              <a:rPr lang="en-US" b="1" dirty="0"/>
+              <a:t>Same number of columns</a:t>
+            </a:r>
+            <a:r>
+              <a:rPr lang="en-US" dirty="0"/>
+              <a:t>: the two SELECT statements must have the same number of columns.</a:t>
+            </a:r>
+          </a:p>
+          <a:p>
+            <a:r>
+              <a:rPr lang="en-US" b="1" dirty="0"/>
+              <a:t>Compatible data types</a:t>
+            </a:r>
+            <a:r>
+              <a:rPr lang="en-US" dirty="0"/>
+              <a:t>: The corresponding columns in the SELECT statements must have compatible types.</a:t>
+            </a:r>
+          </a:p>
+          <a:p>
+            <a:r>
+              <a:rPr lang="en-US" b="1" dirty="0"/>
+              <a:t>Column names</a:t>
+            </a:r>
+            <a:r>
+              <a:rPr lang="en-US" dirty="0"/>
+              <a:t>: The column names of the second query will decide the column names of the final result set.</a:t>
+            </a:r>
+          </a:p>
+          <a:p>
+            <a:r>
+              <a:rPr lang="en-US" b="1" dirty="0"/>
+              <a:t>Sorting rows</a:t>
+            </a:r>
+            <a:r>
+              <a:rPr lang="en-US" dirty="0"/>
+              <a:t>: to sort the rows in the final result set, you use an ORDER BY clause in the second query.</a:t>
+            </a:r>
+          </a:p>
+          <a:p>
+            <a:r>
+              <a:rPr lang="en-US" b="1" dirty="0"/>
+              <a:t>Query execution</a:t>
+            </a:r>
+            <a:r>
+              <a:rPr lang="en-US" dirty="0"/>
+              <a:t>: The INTERSECT statement executes each SELECT statement independently and finds the common rows.</a:t>
+            </a:r>
+          </a:p>
+          <a:p>
+            <a:endParaRPr lang="en-US" dirty="0"/>
+          </a:p>
+        </p:txBody>
+      </p:sp>
+      <p:pic>
+        <p:nvPicPr>
+          <p:cNvPr id="1026" name="Picture 2" descr="SQL INTERSECT Operator">
+            <a:extLst>
+              <a:ext uri="{FF2B5EF4-FFF2-40B4-BE49-F238E27FC236}">
+                <a16:creationId xmlns:a16="http://schemas.microsoft.com/office/drawing/2014/main" id="{5DE739B2-5F7B-0FFC-5BE4-191A637DD40D}"/>
+              </a:ext>
+            </a:extLst>
+          </p:cNvPr>
+          <p:cNvPicPr>
+            <a:picLocks noChangeAspect="1" noChangeArrowheads="1"/>
+          </p:cNvPicPr>
+          <p:nvPr/>
+        </p:nvPicPr>
+        <p:blipFill>
+          <a:blip r:embed="rId3">
+            <a:extLst>
+              <a:ext uri="{28A0092B-C50C-407E-A947-70E740481C1C}">
+                <a14:useLocalDpi xmlns:a14="http://schemas.microsoft.com/office/drawing/2010/main" val="0"/>
+              </a:ext>
+            </a:extLst>
+          </a:blip>
+          <a:srcRect/>
+          <a:stretch>
+            <a:fillRect/>
+          </a:stretch>
+        </p:blipFill>
+        <p:spPr bwMode="auto">
+          <a:xfrm>
+            <a:off x="7361481" y="0"/>
+            <a:ext cx="4340569" cy="1325563"/>
+          </a:xfrm>
+          <a:prstGeom prst="rect">
+            <a:avLst/>
+          </a:prstGeom>
+          <a:noFill/>
+          <a:extLst>
+            <a:ext uri="{909E8E84-426E-40DD-AFC4-6F175D3DCCD1}">
+              <a14:hiddenFill xmlns:a14="http://schemas.microsoft.com/office/drawing/2010/main">
+                <a:solidFill>
+                  <a:srgbClr val="FFFFFF"/>
+                </a:solidFill>
+              </a14:hiddenFill>
+            </a:ext>
+          </a:extLst>
+        </p:spPr>
+      </p:pic>
+    </p:spTree>
+    <p:extLst>
+      <p:ext uri="{BB962C8B-B14F-4D97-AF65-F5344CB8AC3E}">
+        <p14:creationId xmlns:p14="http://schemas.microsoft.com/office/powerpoint/2010/main" val="3684526713"/>
+      </p:ext>
+    </p:extLst>
+  </p:cSld>
+  <p:clrMapOvr>
+    <a:masterClrMapping/>
+  </p:clrMapOvr>
+</p:sld>
+</file>
+
+<file path=ppt/slides/slide14.xml><?xml version="1.0" encoding="utf-8"?>
+<p:sld xmlns:a="http://schemas.openxmlformats.org/drawingml/2006/main" xmlns:r="http://schemas.openxmlformats.org/officeDocument/2006/relationships" xmlns:p="http://schemas.openxmlformats.org/presentationml/2006/main">
+  <p:cSld>
+    <p:spTree>
+      <p:nvGrpSpPr>
+        <p:cNvPr id="1" name=""/>
+        <p:cNvGrpSpPr/>
+        <p:nvPr/>
+      </p:nvGrpSpPr>
+      <p:grpSpPr>
+        <a:xfrm>
+          <a:off x="0" y="0"/>
+          <a:ext cx="0" cy="0"/>
+          <a:chOff x="0" y="0"/>
+          <a:chExt cx="0" cy="0"/>
+        </a:xfrm>
+      </p:grpSpPr>
+      <p:sp>
+        <p:nvSpPr>
+          <p:cNvPr id="2" name="Title 1">
+            <a:extLst>
+              <a:ext uri="{FF2B5EF4-FFF2-40B4-BE49-F238E27FC236}">
+                <a16:creationId xmlns:a16="http://schemas.microsoft.com/office/drawing/2014/main" id="{E8F1FC4A-0CDB-1EEF-EA4D-1F5D08EDC10A}"/>
+              </a:ext>
+            </a:extLst>
+          </p:cNvPr>
+          <p:cNvSpPr>
+            <a:spLocks noGrp="1"/>
+          </p:cNvSpPr>
+          <p:nvPr>
+            <p:ph type="title"/>
+          </p:nvPr>
+        </p:nvSpPr>
+        <p:spPr/>
+        <p:txBody>
+          <a:bodyPr/>
+          <a:lstStyle/>
+          <a:p>
+            <a:r>
+              <a:rPr lang="en-US" dirty="0"/>
+              <a:t>SQL MINUS operator </a:t>
+            </a:r>
+            <a:br>
+              <a:rPr lang="en-US" dirty="0"/>
+            </a:br>
+            <a:endParaRPr lang="en-US" dirty="0"/>
+          </a:p>
+        </p:txBody>
+      </p:sp>
+      <p:sp>
+        <p:nvSpPr>
+          <p:cNvPr id="3" name="Content Placeholder 2">
+            <a:extLst>
+              <a:ext uri="{FF2B5EF4-FFF2-40B4-BE49-F238E27FC236}">
+                <a16:creationId xmlns:a16="http://schemas.microsoft.com/office/drawing/2014/main" id="{5979B9FB-7F55-C5FB-6447-27379F7DDBBF}"/>
+              </a:ext>
+            </a:extLst>
+          </p:cNvPr>
+          <p:cNvSpPr>
+            <a:spLocks noGrp="1"/>
+          </p:cNvSpPr>
+          <p:nvPr>
+            <p:ph idx="1"/>
+          </p:nvPr>
+        </p:nvSpPr>
+        <p:spPr>
+          <a:xfrm>
+            <a:off x="745733" y="1721511"/>
+            <a:ext cx="10515600" cy="4892693"/>
+          </a:xfrm>
+        </p:spPr>
+        <p:txBody>
+          <a:bodyPr>
+            <a:normAutofit fontScale="77500" lnSpcReduction="20000"/>
+          </a:bodyPr>
+          <a:lstStyle/>
+          <a:p>
+            <a:r>
+              <a:rPr lang="en-US" dirty="0"/>
+              <a:t>To find the difference between two result sets of two </a:t>
+            </a:r>
+            <a:r>
+              <a:rPr lang="en-US" dirty="0">
+                <a:hlinkClick r:id="rId2"/>
+              </a:rPr>
+              <a:t>SELECT</a:t>
+            </a:r>
+            <a:r>
+              <a:rPr lang="en-US" dirty="0"/>
+              <a:t> statements</a:t>
+            </a:r>
+          </a:p>
+          <a:p>
+            <a:endParaRPr lang="en-US" dirty="0"/>
+          </a:p>
+          <a:p>
+            <a:pPr>
+              <a:lnSpc>
+                <a:spcPct val="120000"/>
+              </a:lnSpc>
+            </a:pPr>
+            <a:r>
+              <a:rPr lang="en-US" b="1" dirty="0"/>
+              <a:t>Same number of columns</a:t>
+            </a:r>
+            <a:r>
+              <a:rPr lang="en-US" dirty="0"/>
+              <a:t>: The SELECT statements must have the same number of columns.</a:t>
+            </a:r>
+          </a:p>
+          <a:p>
+            <a:pPr>
+              <a:lnSpc>
+                <a:spcPct val="120000"/>
+              </a:lnSpc>
+            </a:pPr>
+            <a:r>
+              <a:rPr lang="en-US" b="1" dirty="0"/>
+              <a:t>Compatible data types</a:t>
+            </a:r>
+            <a:r>
+              <a:rPr lang="en-US" dirty="0"/>
+              <a:t>: The corresponding columns in the SELECT statements must have compatible data types.</a:t>
+            </a:r>
+          </a:p>
+          <a:p>
+            <a:pPr>
+              <a:lnSpc>
+                <a:spcPct val="120000"/>
+              </a:lnSpc>
+            </a:pPr>
+            <a:r>
+              <a:rPr lang="en-US" b="1" dirty="0"/>
+              <a:t>Column names</a:t>
+            </a:r>
+            <a:r>
+              <a:rPr lang="en-US" dirty="0"/>
+              <a:t>: The column names of the result set of the second SELECT statement determines the column names of the final result set.</a:t>
+            </a:r>
+          </a:p>
+          <a:p>
+            <a:pPr>
+              <a:lnSpc>
+                <a:spcPct val="120000"/>
+              </a:lnSpc>
+            </a:pPr>
+            <a:r>
+              <a:rPr lang="en-US" b="1" dirty="0"/>
+              <a:t>Order of execution</a:t>
+            </a:r>
+            <a:r>
+              <a:rPr lang="en-US" dirty="0"/>
+              <a:t>: The MINUS operator execute each SELECT statement independently and then return the difference.</a:t>
+            </a:r>
+          </a:p>
+          <a:p>
+            <a:pPr>
+              <a:lnSpc>
+                <a:spcPct val="120000"/>
+              </a:lnSpc>
+            </a:pPr>
+            <a:r>
+              <a:rPr lang="en-US" b="1" dirty="0"/>
+              <a:t>Sorting rows in final result set</a:t>
+            </a:r>
+            <a:r>
+              <a:rPr lang="en-US" dirty="0"/>
+              <a:t>: To sort the final result set, you place an </a:t>
+            </a:r>
+            <a:r>
+              <a:rPr lang="en-US" dirty="0">
+                <a:hlinkClick r:id="rId3"/>
+              </a:rPr>
+              <a:t>ORDER BY</a:t>
+            </a:r>
+            <a:r>
+              <a:rPr lang="en-US" dirty="0"/>
+              <a:t> clause in the second SELECT statement.</a:t>
+            </a:r>
+          </a:p>
+          <a:p>
+            <a:endParaRPr lang="en-US" dirty="0"/>
+          </a:p>
+        </p:txBody>
+      </p:sp>
+      <p:pic>
+        <p:nvPicPr>
+          <p:cNvPr id="2050" name="Picture 2" descr="SQL MINUS Operator">
+            <a:extLst>
+              <a:ext uri="{FF2B5EF4-FFF2-40B4-BE49-F238E27FC236}">
+                <a16:creationId xmlns:a16="http://schemas.microsoft.com/office/drawing/2014/main" id="{1E20C10D-E130-19A9-7B05-CA5D68F4FAD5}"/>
+              </a:ext>
+            </a:extLst>
+          </p:cNvPr>
+          <p:cNvPicPr>
+            <a:picLocks noChangeAspect="1" noChangeArrowheads="1"/>
+          </p:cNvPicPr>
+          <p:nvPr/>
+        </p:nvPicPr>
+        <p:blipFill>
+          <a:blip r:embed="rId4">
+            <a:extLst>
+              <a:ext uri="{28A0092B-C50C-407E-A947-70E740481C1C}">
+                <a14:useLocalDpi xmlns:a14="http://schemas.microsoft.com/office/drawing/2010/main" val="0"/>
+              </a:ext>
+            </a:extLst>
+          </a:blip>
+          <a:srcRect/>
+          <a:stretch>
+            <a:fillRect/>
+          </a:stretch>
+        </p:blipFill>
+        <p:spPr bwMode="auto">
+          <a:xfrm>
+            <a:off x="7222732" y="121846"/>
+            <a:ext cx="4794551" cy="1450100"/>
+          </a:xfrm>
+          <a:prstGeom prst="rect">
+            <a:avLst/>
+          </a:prstGeom>
+          <a:noFill/>
+          <a:extLst>
+            <a:ext uri="{909E8E84-426E-40DD-AFC4-6F175D3DCCD1}">
+              <a14:hiddenFill xmlns:a14="http://schemas.microsoft.com/office/drawing/2010/main">
+                <a:solidFill>
+                  <a:srgbClr val="FFFFFF"/>
+                </a:solidFill>
+              </a14:hiddenFill>
+            </a:ext>
+          </a:extLst>
+        </p:spPr>
+      </p:pic>
+    </p:spTree>
+    <p:extLst>
+      <p:ext uri="{BB962C8B-B14F-4D97-AF65-F5344CB8AC3E}">
+        <p14:creationId xmlns:p14="http://schemas.microsoft.com/office/powerpoint/2010/main" val="1092968714"/>
       </p:ext>
     </p:extLst>
   </p:cSld>

--- a/Day 6.pptx
+++ b/Day 6.pptx
@@ -272,7 +272,7 @@
           <a:p>
             <a:fld id="{49435E6D-E9A9-49C9-81B3-BD3BF8AF476E}" type="datetimeFigureOut">
               <a:rPr lang="en-US" smtClean="0"/>
-              <a:t>10/3/2025</a:t>
+              <a:t>10/6/2025</a:t>
             </a:fld>
             <a:endParaRPr lang="en-US"/>
           </a:p>
@@ -470,7 +470,7 @@
           <a:p>
             <a:fld id="{49435E6D-E9A9-49C9-81B3-BD3BF8AF476E}" type="datetimeFigureOut">
               <a:rPr lang="en-US" smtClean="0"/>
-              <a:t>10/3/2025</a:t>
+              <a:t>10/6/2025</a:t>
             </a:fld>
             <a:endParaRPr lang="en-US"/>
           </a:p>
@@ -678,7 +678,7 @@
           <a:p>
             <a:fld id="{49435E6D-E9A9-49C9-81B3-BD3BF8AF476E}" type="datetimeFigureOut">
               <a:rPr lang="en-US" smtClean="0"/>
-              <a:t>10/3/2025</a:t>
+              <a:t>10/6/2025</a:t>
             </a:fld>
             <a:endParaRPr lang="en-US"/>
           </a:p>
@@ -876,7 +876,7 @@
           <a:p>
             <a:fld id="{49435E6D-E9A9-49C9-81B3-BD3BF8AF476E}" type="datetimeFigureOut">
               <a:rPr lang="en-US" smtClean="0"/>
-              <a:t>10/3/2025</a:t>
+              <a:t>10/6/2025</a:t>
             </a:fld>
             <a:endParaRPr lang="en-US"/>
           </a:p>
@@ -1151,7 +1151,7 @@
           <a:p>
             <a:fld id="{49435E6D-E9A9-49C9-81B3-BD3BF8AF476E}" type="datetimeFigureOut">
               <a:rPr lang="en-US" smtClean="0"/>
-              <a:t>10/3/2025</a:t>
+              <a:t>10/6/2025</a:t>
             </a:fld>
             <a:endParaRPr lang="en-US"/>
           </a:p>
@@ -1416,7 +1416,7 @@
           <a:p>
             <a:fld id="{49435E6D-E9A9-49C9-81B3-BD3BF8AF476E}" type="datetimeFigureOut">
               <a:rPr lang="en-US" smtClean="0"/>
-              <a:t>10/3/2025</a:t>
+              <a:t>10/6/2025</a:t>
             </a:fld>
             <a:endParaRPr lang="en-US"/>
           </a:p>
@@ -1828,7 +1828,7 @@
           <a:p>
             <a:fld id="{49435E6D-E9A9-49C9-81B3-BD3BF8AF476E}" type="datetimeFigureOut">
               <a:rPr lang="en-US" smtClean="0"/>
-              <a:t>10/3/2025</a:t>
+              <a:t>10/6/2025</a:t>
             </a:fld>
             <a:endParaRPr lang="en-US"/>
           </a:p>
@@ -1969,7 +1969,7 @@
           <a:p>
             <a:fld id="{49435E6D-E9A9-49C9-81B3-BD3BF8AF476E}" type="datetimeFigureOut">
               <a:rPr lang="en-US" smtClean="0"/>
-              <a:t>10/3/2025</a:t>
+              <a:t>10/6/2025</a:t>
             </a:fld>
             <a:endParaRPr lang="en-US"/>
           </a:p>
@@ -2082,7 +2082,7 @@
           <a:p>
             <a:fld id="{49435E6D-E9A9-49C9-81B3-BD3BF8AF476E}" type="datetimeFigureOut">
               <a:rPr lang="en-US" smtClean="0"/>
-              <a:t>10/3/2025</a:t>
+              <a:t>10/6/2025</a:t>
             </a:fld>
             <a:endParaRPr lang="en-US"/>
           </a:p>
@@ -2393,7 +2393,7 @@
           <a:p>
             <a:fld id="{49435E6D-E9A9-49C9-81B3-BD3BF8AF476E}" type="datetimeFigureOut">
               <a:rPr lang="en-US" smtClean="0"/>
-              <a:t>10/3/2025</a:t>
+              <a:t>10/6/2025</a:t>
             </a:fld>
             <a:endParaRPr lang="en-US"/>
           </a:p>
@@ -2681,7 +2681,7 @@
           <a:p>
             <a:fld id="{49435E6D-E9A9-49C9-81B3-BD3BF8AF476E}" type="datetimeFigureOut">
               <a:rPr lang="en-US" smtClean="0"/>
-              <a:t>10/3/2025</a:t>
+              <a:t>10/6/2025</a:t>
             </a:fld>
             <a:endParaRPr lang="en-US"/>
           </a:p>
@@ -2922,7 +2922,7 @@
           <a:p>
             <a:fld id="{49435E6D-E9A9-49C9-81B3-BD3BF8AF476E}" type="datetimeFigureOut">
               <a:rPr lang="en-US" smtClean="0"/>
-              <a:t>10/3/2025</a:t>
+              <a:t>10/6/2025</a:t>
             </a:fld>
             <a:endParaRPr lang="en-US"/>
           </a:p>
@@ -4353,8 +4353,12 @@
           <a:lstStyle/>
           <a:p>
             <a:r>
-              <a:rPr lang="en-US" dirty="0"/>
-              <a:t>SQL MINUS operator </a:t>
+              <a:rPr lang="en-US"/>
+              <a:t>SQL MINUS(EXCEPT) </a:t>
+            </a:r>
+            <a:r>
+              <a:rPr lang="en-US" dirty="0"/>
+              <a:t>operator </a:t>
             </a:r>
             <a:br>
               <a:rPr lang="en-US" dirty="0"/>
